--- a/make_presentation/templates/templates/classic/_7.pptx
+++ b/make_presentation/templates/templates/classic/_7.pptx
@@ -298,7 +298,7 @@
             <a:pPr algn="r">
               <a:buNone/>
             </a:pPr>
-            <a:fld id="{9CF7A000-1FC3-4B25-ACEE-95A93170AC97}" type="slidenum">
+            <a:fld id="{510B35FB-4DBF-496A-9708-9C072A4605C1}" type="slidenum">
               <a:rPr b="0" lang="en-US" sz="1400" spc="-1" strike="noStrike">
                 <a:latin typeface="Times New Roman"/>
               </a:rPr>
@@ -346,7 +346,7 @@
         <p:spPr>
           <a:xfrm>
             <a:off x="380880" y="685800"/>
-            <a:ext cx="6093000" cy="3426120"/>
+            <a:ext cx="6092640" cy="3425760"/>
           </a:xfrm>
           <a:prstGeom prst="rect">
             <a:avLst/>
@@ -369,7 +369,7 @@
         <p:spPr>
           <a:xfrm>
             <a:off x="685800" y="4343400"/>
-            <a:ext cx="5483520" cy="4111920"/>
+            <a:ext cx="5483160" cy="4111560"/>
           </a:xfrm>
           <a:prstGeom prst="rect">
             <a:avLst/>
@@ -403,7 +403,7 @@
         <p:spPr>
           <a:xfrm>
             <a:off x="3884760" y="8685360"/>
-            <a:ext cx="2968920" cy="454320"/>
+            <a:ext cx="2968560" cy="453960"/>
           </a:xfrm>
           <a:prstGeom prst="rect">
             <a:avLst/>
@@ -439,7 +439,7 @@
               </a:lnSpc>
               <a:buNone/>
             </a:pPr>
-            <a:fld id="{6E9FAFCF-6C42-49AD-ADC4-762BE8A67EA7}" type="slidenum">
+            <a:fld id="{38751EE7-27CA-4C86-B161-348BF2BAB49A}" type="slidenum">
               <a:rPr b="0" lang="en-US" sz="1200" spc="-1" strike="noStrike">
                 <a:solidFill>
                   <a:srgbClr val="000000"/>
@@ -490,7 +490,7 @@
         <p:spPr>
           <a:xfrm>
             <a:off x="380880" y="685800"/>
-            <a:ext cx="6093000" cy="3426120"/>
+            <a:ext cx="6092640" cy="3425760"/>
           </a:xfrm>
           <a:prstGeom prst="rect">
             <a:avLst/>
@@ -513,7 +513,7 @@
         <p:spPr>
           <a:xfrm>
             <a:off x="685800" y="4343400"/>
-            <a:ext cx="5483520" cy="4111920"/>
+            <a:ext cx="5483160" cy="4111560"/>
           </a:xfrm>
           <a:prstGeom prst="rect">
             <a:avLst/>
@@ -547,7 +547,7 @@
         <p:spPr>
           <a:xfrm>
             <a:off x="3884760" y="8685360"/>
-            <a:ext cx="2968920" cy="454320"/>
+            <a:ext cx="2968560" cy="453960"/>
           </a:xfrm>
           <a:prstGeom prst="rect">
             <a:avLst/>
@@ -583,7 +583,7 @@
               </a:lnSpc>
               <a:buNone/>
             </a:pPr>
-            <a:fld id="{480E9478-7D4B-4F07-916C-D429A7110DEC}" type="slidenum">
+            <a:fld id="{70C21169-D8F8-494F-B877-484441915A59}" type="slidenum">
               <a:rPr b="0" lang="en-US" sz="1200" spc="-1" strike="noStrike">
                 <a:solidFill>
                   <a:srgbClr val="000000"/>
@@ -634,7 +634,7 @@
         <p:spPr>
           <a:xfrm>
             <a:off x="380880" y="685800"/>
-            <a:ext cx="6093000" cy="3426120"/>
+            <a:ext cx="6092640" cy="3425760"/>
           </a:xfrm>
           <a:prstGeom prst="rect">
             <a:avLst/>
@@ -657,7 +657,7 @@
         <p:spPr>
           <a:xfrm>
             <a:off x="685800" y="4343400"/>
-            <a:ext cx="5483520" cy="4111920"/>
+            <a:ext cx="5483160" cy="4111560"/>
           </a:xfrm>
           <a:prstGeom prst="rect">
             <a:avLst/>
@@ -691,7 +691,7 @@
         <p:spPr>
           <a:xfrm>
             <a:off x="3884760" y="8685360"/>
-            <a:ext cx="2968920" cy="454320"/>
+            <a:ext cx="2968560" cy="453960"/>
           </a:xfrm>
           <a:prstGeom prst="rect">
             <a:avLst/>
@@ -727,7 +727,7 @@
               </a:lnSpc>
               <a:buNone/>
             </a:pPr>
-            <a:fld id="{78BE7ED8-D9C8-4F70-A152-7B51D21C91F5}" type="slidenum">
+            <a:fld id="{B41D336D-5028-42DE-91F1-8B06B817523F}" type="slidenum">
               <a:rPr b="0" lang="en-US" sz="1200" spc="-1" strike="noStrike">
                 <a:solidFill>
                   <a:srgbClr val="000000"/>
@@ -778,7 +778,7 @@
         <p:spPr>
           <a:xfrm>
             <a:off x="380880" y="685800"/>
-            <a:ext cx="6093000" cy="3426120"/>
+            <a:ext cx="6092640" cy="3425760"/>
           </a:xfrm>
           <a:prstGeom prst="rect">
             <a:avLst/>
@@ -801,7 +801,7 @@
         <p:spPr>
           <a:xfrm>
             <a:off x="685800" y="4343400"/>
-            <a:ext cx="5483520" cy="4111920"/>
+            <a:ext cx="5483160" cy="4111560"/>
           </a:xfrm>
           <a:prstGeom prst="rect">
             <a:avLst/>
@@ -835,7 +835,7 @@
         <p:spPr>
           <a:xfrm>
             <a:off x="3884760" y="8685360"/>
-            <a:ext cx="2968920" cy="454320"/>
+            <a:ext cx="2968560" cy="453960"/>
           </a:xfrm>
           <a:prstGeom prst="rect">
             <a:avLst/>
@@ -871,7 +871,7 @@
               </a:lnSpc>
               <a:buNone/>
             </a:pPr>
-            <a:fld id="{D2D5270E-A0AE-4A7A-8B6E-159FDE83D453}" type="slidenum">
+            <a:fld id="{44F6C0F5-2AF0-4D85-9142-36B11DD97120}" type="slidenum">
               <a:rPr b="0" lang="en-US" sz="1200" spc="-1" strike="noStrike">
                 <a:solidFill>
                   <a:srgbClr val="000000"/>
@@ -922,7 +922,7 @@
         <p:spPr>
           <a:xfrm>
             <a:off x="380880" y="685800"/>
-            <a:ext cx="6093000" cy="3426120"/>
+            <a:ext cx="6092640" cy="3425760"/>
           </a:xfrm>
           <a:prstGeom prst="rect">
             <a:avLst/>
@@ -945,7 +945,7 @@
         <p:spPr>
           <a:xfrm>
             <a:off x="685800" y="4343400"/>
-            <a:ext cx="5483520" cy="4111920"/>
+            <a:ext cx="5483160" cy="4111560"/>
           </a:xfrm>
           <a:prstGeom prst="rect">
             <a:avLst/>
@@ -979,7 +979,7 @@
         <p:spPr>
           <a:xfrm>
             <a:off x="3884760" y="8685360"/>
-            <a:ext cx="2968920" cy="454320"/>
+            <a:ext cx="2968560" cy="453960"/>
           </a:xfrm>
           <a:prstGeom prst="rect">
             <a:avLst/>
@@ -1015,7 +1015,7 @@
               </a:lnSpc>
               <a:buNone/>
             </a:pPr>
-            <a:fld id="{3FC61F6B-5F43-4D60-BC86-6525D8850EBC}" type="slidenum">
+            <a:fld id="{22B30755-3F23-43CF-842E-097A83335458}" type="slidenum">
               <a:rPr b="0" lang="en-US" sz="1200" spc="-1" strike="noStrike">
                 <a:solidFill>
                   <a:srgbClr val="000000"/>
@@ -1066,7 +1066,7 @@
         <p:spPr>
           <a:xfrm>
             <a:off x="380880" y="685800"/>
-            <a:ext cx="6093000" cy="3426120"/>
+            <a:ext cx="6092640" cy="3425760"/>
           </a:xfrm>
           <a:prstGeom prst="rect">
             <a:avLst/>
@@ -1089,7 +1089,7 @@
         <p:spPr>
           <a:xfrm>
             <a:off x="685800" y="4343400"/>
-            <a:ext cx="5483520" cy="4111920"/>
+            <a:ext cx="5483160" cy="4111560"/>
           </a:xfrm>
           <a:prstGeom prst="rect">
             <a:avLst/>
@@ -1123,7 +1123,7 @@
         <p:spPr>
           <a:xfrm>
             <a:off x="3884760" y="8685360"/>
-            <a:ext cx="2968920" cy="454320"/>
+            <a:ext cx="2968560" cy="453960"/>
           </a:xfrm>
           <a:prstGeom prst="rect">
             <a:avLst/>
@@ -1159,7 +1159,7 @@
               </a:lnSpc>
               <a:buNone/>
             </a:pPr>
-            <a:fld id="{1F39103E-D54B-4DFE-98EE-6AE27FB195D5}" type="slidenum">
+            <a:fld id="{62A9092C-D4B4-4CEC-9EBC-0E36065C0687}" type="slidenum">
               <a:rPr b="0" lang="en-US" sz="1200" spc="-1" strike="noStrike">
                 <a:solidFill>
                   <a:srgbClr val="000000"/>
@@ -1210,7 +1210,7 @@
         <p:spPr>
           <a:xfrm>
             <a:off x="380880" y="685800"/>
-            <a:ext cx="6093000" cy="3426120"/>
+            <a:ext cx="6092640" cy="3425760"/>
           </a:xfrm>
           <a:prstGeom prst="rect">
             <a:avLst/>
@@ -1233,7 +1233,7 @@
         <p:spPr>
           <a:xfrm>
             <a:off x="685800" y="4343400"/>
-            <a:ext cx="5483520" cy="4111920"/>
+            <a:ext cx="5483160" cy="4111560"/>
           </a:xfrm>
           <a:prstGeom prst="rect">
             <a:avLst/>
@@ -1267,7 +1267,7 @@
         <p:spPr>
           <a:xfrm>
             <a:off x="3884760" y="8685360"/>
-            <a:ext cx="2968920" cy="454320"/>
+            <a:ext cx="2968560" cy="453960"/>
           </a:xfrm>
           <a:prstGeom prst="rect">
             <a:avLst/>
@@ -1303,7 +1303,7 @@
               </a:lnSpc>
               <a:buNone/>
             </a:pPr>
-            <a:fld id="{C2D45344-B2F7-4A1A-9A3C-22E38E211667}" type="slidenum">
+            <a:fld id="{5A9289AF-8984-45BA-831C-5039AD9C2AAB}" type="slidenum">
               <a:rPr b="0" lang="en-US" sz="1200" spc="-1" strike="noStrike">
                 <a:solidFill>
                   <a:srgbClr val="000000"/>
@@ -1375,7 +1375,7 @@
         <p:txBody>
           <a:bodyPr/>
           <a:p>
-            <a:fld id="{066101C8-7F04-473D-9A77-E5587FA99093}" type="slidenum">
+            <a:fld id="{4E085960-F7CE-47F0-8011-8866813B2F50}" type="slidenum">
               <a:t>&lt;#&gt;</a:t>
             </a:fld>
           </a:p>
@@ -1563,7 +1563,7 @@
         <p:txBody>
           <a:bodyPr/>
           <a:p>
-            <a:fld id="{6EF33D43-7BAB-45FE-BECC-6D4C794D9147}" type="slidenum">
+            <a:fld id="{CD5279FC-596B-4B7C-ACAE-115E97350C00}" type="slidenum">
               <a:t>&lt;#&gt;</a:t>
             </a:fld>
           </a:p>
@@ -1819,7 +1819,7 @@
         <p:txBody>
           <a:bodyPr/>
           <a:p>
-            <a:fld id="{EC29C3C0-D139-48D3-9B3C-A523E8D1150B}" type="slidenum">
+            <a:fld id="{2A5838EE-1A9D-491C-97B9-A78DA35C553A}" type="slidenum">
               <a:t>&lt;#&gt;</a:t>
             </a:fld>
           </a:p>
@@ -2143,7 +2143,7 @@
         <p:txBody>
           <a:bodyPr/>
           <a:p>
-            <a:fld id="{6CF08DCB-DC89-430C-B8BD-7B53A02DF218}" type="slidenum">
+            <a:fld id="{E2130743-21B0-4F43-8015-753012BCE3AA}" type="slidenum">
               <a:t>&lt;#&gt;</a:t>
             </a:fld>
           </a:p>
@@ -2300,7 +2300,7 @@
         <p:txBody>
           <a:bodyPr/>
           <a:p>
-            <a:fld id="{B0F408C5-D492-46A3-8346-3FF628D053F0}" type="slidenum">
+            <a:fld id="{C97CC6E9-19EF-4C07-A149-72BA025FB87A}" type="slidenum">
               <a:t>&lt;#&gt;</a:t>
             </a:fld>
           </a:p>
@@ -2454,7 +2454,7 @@
         <p:txBody>
           <a:bodyPr/>
           <a:p>
-            <a:fld id="{0AC1CE9F-9F07-47B0-BA8F-DE0D47591ED4}" type="slidenum">
+            <a:fld id="{E3E73D97-EA4A-4A75-B3B7-D45FA79BB6C0}" type="slidenum">
               <a:t>&lt;#&gt;</a:t>
             </a:fld>
           </a:p>
@@ -2642,7 +2642,7 @@
         <p:txBody>
           <a:bodyPr/>
           <a:p>
-            <a:fld id="{6E794C4B-5B1F-4913-9664-8E2267013734}" type="slidenum">
+            <a:fld id="{02B707D4-9DD7-441F-805C-826FA6B1B420}" type="slidenum">
               <a:t>&lt;#&gt;</a:t>
             </a:fld>
           </a:p>
@@ -2762,7 +2762,7 @@
         <p:txBody>
           <a:bodyPr/>
           <a:p>
-            <a:fld id="{687802F2-FE37-46FE-915E-B41F4AE56E8E}" type="slidenum">
+            <a:fld id="{03D88142-BB18-4877-B6EF-758F885D2680}" type="slidenum">
               <a:t>&lt;#&gt;</a:t>
             </a:fld>
           </a:p>
@@ -2882,7 +2882,7 @@
         <p:txBody>
           <a:bodyPr/>
           <a:p>
-            <a:fld id="{5E63C640-9B5E-4947-B8E5-E04D0144BE72}" type="slidenum">
+            <a:fld id="{9E482F30-0E77-4158-97A1-4EA649C2FD14}" type="slidenum">
               <a:t>&lt;#&gt;</a:t>
             </a:fld>
           </a:p>
@@ -3104,7 +3104,7 @@
         <p:txBody>
           <a:bodyPr/>
           <a:p>
-            <a:fld id="{4B47ECF2-F4DC-489A-A893-EF398A7654D2}" type="slidenum">
+            <a:fld id="{5463DDF5-D3CC-4864-AC9B-A43EB02BF74D}" type="slidenum">
               <a:t>&lt;#&gt;</a:t>
             </a:fld>
           </a:p>
@@ -3326,7 +3326,7 @@
         <p:txBody>
           <a:bodyPr/>
           <a:p>
-            <a:fld id="{F5EB3CC6-5D4E-4AE9-BCD7-AC7565650403}" type="slidenum">
+            <a:fld id="{487218C3-3A77-45F1-99DE-9D82610FD647}" type="slidenum">
               <a:t>&lt;#&gt;</a:t>
             </a:fld>
           </a:p>
@@ -3548,7 +3548,7 @@
         <p:txBody>
           <a:bodyPr/>
           <a:p>
-            <a:fld id="{6BB93E2A-2A39-4448-ACFB-DC4CED03C1C3}" type="slidenum">
+            <a:fld id="{5DBF61DD-DFF4-43A2-90A7-82ACEAAC0F18}" type="slidenum">
               <a:t>&lt;#&gt;</a:t>
             </a:fld>
           </a:p>
@@ -3617,7 +3617,7 @@
         <p:spPr>
           <a:xfrm>
             <a:off x="3028680" y="4771440"/>
-            <a:ext cx="3083760" cy="271800"/>
+            <a:ext cx="3083400" cy="271440"/>
           </a:xfrm>
           <a:prstGeom prst="rect">
             <a:avLst/>
@@ -3682,7 +3682,7 @@
         <p:spPr>
           <a:xfrm>
             <a:off x="6457680" y="4771440"/>
-            <a:ext cx="2055240" cy="271800"/>
+            <a:ext cx="2054880" cy="271440"/>
           </a:xfrm>
           <a:prstGeom prst="rect">
             <a:avLst/>
@@ -3718,7 +3718,7 @@
               </a:lnSpc>
               <a:buNone/>
             </a:pPr>
-            <a:fld id="{968D3465-54AC-4F42-875D-52B440E870C1}" type="slidenum">
+            <a:fld id="{9782433B-28F8-4D3C-860F-6E42366724D9}" type="slidenum">
               <a:rPr b="0" lang="en-US" sz="1200" spc="-1" strike="noStrike">
                 <a:solidFill>
                   <a:srgbClr val="8b8b8b"/>
@@ -3747,7 +3747,7 @@
         <p:spPr>
           <a:xfrm>
             <a:off x="628200" y="4771440"/>
-            <a:ext cx="2055240" cy="271800"/>
+            <a:ext cx="2054880" cy="271440"/>
           </a:xfrm>
           <a:prstGeom prst="rect">
             <a:avLst/>
@@ -4059,8 +4059,8 @@
         </p:nvSpPr>
         <p:spPr>
           <a:xfrm rot="2744400">
-            <a:off x="-282600" y="-25920"/>
-            <a:ext cx="705960" cy="705600"/>
+            <a:off x="-282240" y="-25920"/>
+            <a:ext cx="705600" cy="705240"/>
           </a:xfrm>
           <a:prstGeom prst="roundRect">
             <a:avLst>
@@ -4097,8 +4097,8 @@
         </p:nvSpPr>
         <p:spPr>
           <a:xfrm rot="2625600">
-            <a:off x="6024960" y="4334040"/>
-            <a:ext cx="469800" cy="469800"/>
+            <a:off x="6024960" y="4333680"/>
+            <a:ext cx="469440" cy="469440"/>
           </a:xfrm>
           <a:prstGeom prst="roundRect">
             <a:avLst>
@@ -4136,7 +4136,7 @@
         <p:spPr>
           <a:xfrm rot="18679200">
             <a:off x="7004880" y="948600"/>
-            <a:ext cx="4941360" cy="4667760"/>
+            <a:ext cx="4941000" cy="4667400"/>
           </a:xfrm>
           <a:prstGeom prst="roundRect">
             <a:avLst>
@@ -4174,7 +4174,7 @@
         <p:spPr>
           <a:xfrm>
             <a:off x="459720" y="4671360"/>
-            <a:ext cx="2997000" cy="267840"/>
+            <a:ext cx="2996640" cy="267480"/>
           </a:xfrm>
           <a:prstGeom prst="rect">
             <a:avLst/>
@@ -4239,8 +4239,8 @@
         </p:blipFill>
         <p:spPr>
           <a:xfrm>
-            <a:off x="2423160" y="4671720"/>
-            <a:ext cx="289440" cy="289440"/>
+            <a:off x="2971800" y="4740120"/>
+            <a:ext cx="289080" cy="289080"/>
           </a:xfrm>
           <a:prstGeom prst="rect">
             <a:avLst/>
@@ -4259,7 +4259,7 @@
         <p:spPr>
           <a:xfrm>
             <a:off x="484920" y="1681560"/>
-            <a:ext cx="5482440" cy="1883880"/>
+            <a:ext cx="5482080" cy="1883520"/>
           </a:xfrm>
           <a:prstGeom prst="rect">
             <a:avLst/>
@@ -4341,7 +4341,7 @@
         <p:spPr>
           <a:xfrm>
             <a:off x="586440" y="1246680"/>
-            <a:ext cx="4005720" cy="3601440"/>
+            <a:ext cx="4005360" cy="3601080"/>
           </a:xfrm>
           <a:prstGeom prst="rect">
             <a:avLst/>
@@ -4393,7 +4393,7 @@
         <p:spPr>
           <a:xfrm>
             <a:off x="559800" y="446040"/>
-            <a:ext cx="4285080" cy="685080"/>
+            <a:ext cx="4284720" cy="684720"/>
           </a:xfrm>
           <a:prstGeom prst="rect">
             <a:avLst/>
@@ -4445,7 +4445,7 @@
         <p:spPr>
           <a:xfrm>
             <a:off x="5097600" y="360"/>
-            <a:ext cx="4381200" cy="5145480"/>
+            <a:ext cx="4380840" cy="5145120"/>
           </a:xfrm>
           <a:prstGeom prst="roundRect">
             <a:avLst>
@@ -4510,8 +4510,8 @@
         </p:nvSpPr>
         <p:spPr>
           <a:xfrm rot="2744400">
-            <a:off x="-282600" y="-25920"/>
-            <a:ext cx="705960" cy="705600"/>
+            <a:off x="-282240" y="-25920"/>
+            <a:ext cx="705600" cy="705240"/>
           </a:xfrm>
           <a:prstGeom prst="roundRect">
             <a:avLst>
@@ -4548,8 +4548,8 @@
         </p:nvSpPr>
         <p:spPr>
           <a:xfrm rot="2625600">
-            <a:off x="4861080" y="4147920"/>
-            <a:ext cx="469800" cy="469800"/>
+            <a:off x="4861080" y="4147560"/>
+            <a:ext cx="469440" cy="469440"/>
           </a:xfrm>
           <a:prstGeom prst="roundRect">
             <a:avLst>
@@ -4623,8 +4623,8 @@
         </p:nvSpPr>
         <p:spPr>
           <a:xfrm rot="2744400">
-            <a:off x="-351720" y="4541400"/>
-            <a:ext cx="705960" cy="705600"/>
+            <a:off x="-351360" y="4541040"/>
+            <a:ext cx="705600" cy="705240"/>
           </a:xfrm>
           <a:prstGeom prst="roundRect">
             <a:avLst>
@@ -4661,8 +4661,8 @@
         </p:nvSpPr>
         <p:spPr>
           <a:xfrm rot="19228200">
-            <a:off x="5847480" y="-2268000"/>
-            <a:ext cx="4856760" cy="7727760"/>
+            <a:off x="5847120" y="-2267640"/>
+            <a:ext cx="4856400" cy="7727400"/>
           </a:xfrm>
           <a:prstGeom prst="roundRect">
             <a:avLst>
@@ -4700,9 +4700,9 @@
         <p:grpSpPr>
           <a:xfrm>
             <a:off x="4571640" y="828000"/>
-            <a:ext cx="4469760" cy="3565800"/>
+            <a:ext cx="4469400" cy="3565440"/>
             <a:chOff x="4571640" y="828000"/>
-            <a:chExt cx="4469760" cy="3565800"/>
+            <a:chExt cx="4469400" cy="3565440"/>
           </a:xfrm>
         </p:grpSpPr>
         <p:pic>
@@ -4718,7 +4718,7 @@
           <p:spPr>
             <a:xfrm>
               <a:off x="4571640" y="828000"/>
-              <a:ext cx="4469760" cy="3565800"/>
+              <a:ext cx="4469400" cy="3565440"/>
             </a:xfrm>
             <a:prstGeom prst="rect">
               <a:avLst/>
@@ -4736,8 +4736,8 @@
           </p:nvSpPr>
           <p:spPr>
             <a:xfrm rot="16200000">
-              <a:off x="5962680" y="1157400"/>
-              <a:ext cx="1738800" cy="2772720"/>
+              <a:off x="5962680" y="1157760"/>
+              <a:ext cx="1738440" cy="2772360"/>
             </a:xfrm>
             <a:prstGeom prst="roundRect">
               <a:avLst>
@@ -4804,7 +4804,7 @@
         <p:spPr>
           <a:xfrm>
             <a:off x="586440" y="1246680"/>
-            <a:ext cx="4005720" cy="3601440"/>
+            <a:ext cx="4005360" cy="3601080"/>
           </a:xfrm>
           <a:prstGeom prst="rect">
             <a:avLst/>
@@ -4856,7 +4856,7 @@
         <p:spPr>
           <a:xfrm>
             <a:off x="5446080" y="1672200"/>
-            <a:ext cx="2781720" cy="1738800"/>
+            <a:ext cx="2781360" cy="1738440"/>
           </a:xfrm>
           <a:prstGeom prst="rect">
             <a:avLst/>
@@ -4908,7 +4908,7 @@
         <p:spPr>
           <a:xfrm>
             <a:off x="586440" y="453960"/>
-            <a:ext cx="3698280" cy="856800"/>
+            <a:ext cx="3697920" cy="856440"/>
           </a:xfrm>
           <a:prstGeom prst="rect">
             <a:avLst/>
@@ -4997,7 +4997,7 @@
         <p:spPr>
           <a:xfrm>
             <a:off x="4222080" y="1246680"/>
-            <a:ext cx="4116600" cy="3601440"/>
+            <a:ext cx="4116240" cy="3601080"/>
           </a:xfrm>
           <a:prstGeom prst="rect">
             <a:avLst/>
@@ -5048,8 +5048,8 @@
         </p:nvSpPr>
         <p:spPr>
           <a:xfrm rot="16200000">
-            <a:off x="-2181600" y="1731960"/>
-            <a:ext cx="5145480" cy="1685520"/>
+            <a:off x="-2181600" y="1732320"/>
+            <a:ext cx="5145120" cy="1685160"/>
           </a:xfrm>
           <a:prstGeom prst="roundRect">
             <a:avLst>
@@ -5087,7 +5087,7 @@
         <p:spPr>
           <a:xfrm rot="2745000">
             <a:off x="8575200" y="104760"/>
-            <a:ext cx="1134000" cy="1133640"/>
+            <a:ext cx="1133640" cy="1133280"/>
           </a:xfrm>
           <a:prstGeom prst="roundRect">
             <a:avLst>
@@ -5124,8 +5124,8 @@
         </p:nvSpPr>
         <p:spPr>
           <a:xfrm rot="16200000">
-            <a:off x="614880" y="917280"/>
-            <a:ext cx="3233520" cy="3315240"/>
+            <a:off x="614880" y="917640"/>
+            <a:ext cx="3233160" cy="3314880"/>
           </a:xfrm>
           <a:prstGeom prst="roundRect">
             <a:avLst>
@@ -5191,7 +5191,7 @@
         <p:spPr>
           <a:xfrm>
             <a:off x="4214160" y="456120"/>
-            <a:ext cx="4113360" cy="856800"/>
+            <a:ext cx="4113000" cy="856440"/>
           </a:xfrm>
           <a:prstGeom prst="rect">
             <a:avLst/>
@@ -5279,8 +5279,8 @@
         </p:nvSpPr>
         <p:spPr>
           <a:xfrm rot="2744400">
-            <a:off x="-282600" y="-25920"/>
-            <a:ext cx="705960" cy="705600"/>
+            <a:off x="-282240" y="-25920"/>
+            <a:ext cx="705600" cy="705240"/>
           </a:xfrm>
           <a:prstGeom prst="roundRect">
             <a:avLst>
@@ -5318,7 +5318,7 @@
         <p:spPr>
           <a:xfrm rot="2332200">
             <a:off x="6009480" y="-320040"/>
-            <a:ext cx="4857120" cy="7728120"/>
+            <a:ext cx="4856760" cy="7727760"/>
           </a:xfrm>
           <a:prstGeom prst="roundRect">
             <a:avLst>
@@ -5356,9 +5356,9 @@
         <p:grpSpPr>
           <a:xfrm>
             <a:off x="4571640" y="828000"/>
-            <a:ext cx="4469760" cy="3565800"/>
+            <a:ext cx="4469400" cy="3565440"/>
             <a:chOff x="4571640" y="828000"/>
-            <a:chExt cx="4469760" cy="3565800"/>
+            <a:chExt cx="4469400" cy="3565440"/>
           </a:xfrm>
         </p:grpSpPr>
         <p:pic>
@@ -5374,7 +5374,7 @@
           <p:spPr>
             <a:xfrm>
               <a:off x="4571640" y="828000"/>
-              <a:ext cx="4469760" cy="3565800"/>
+              <a:ext cx="4469400" cy="3565440"/>
             </a:xfrm>
             <a:prstGeom prst="rect">
               <a:avLst/>
@@ -5392,8 +5392,8 @@
           </p:nvSpPr>
           <p:spPr>
             <a:xfrm rot="16200000">
-              <a:off x="5962680" y="1157400"/>
-              <a:ext cx="1738800" cy="2772720"/>
+              <a:off x="5962680" y="1157760"/>
+              <a:ext cx="1738440" cy="2772360"/>
             </a:xfrm>
             <a:prstGeom prst="roundRect">
               <a:avLst>
@@ -5460,7 +5460,7 @@
         <p:spPr>
           <a:xfrm>
             <a:off x="5446080" y="1672200"/>
-            <a:ext cx="2772360" cy="1738800"/>
+            <a:ext cx="2772000" cy="1738440"/>
           </a:xfrm>
           <a:prstGeom prst="rect">
             <a:avLst/>
@@ -5512,7 +5512,7 @@
         <p:spPr>
           <a:xfrm>
             <a:off x="586440" y="1246680"/>
-            <a:ext cx="4005720" cy="3601440"/>
+            <a:ext cx="4005360" cy="3601080"/>
           </a:xfrm>
           <a:prstGeom prst="rect">
             <a:avLst/>
@@ -5564,7 +5564,7 @@
         <p:spPr>
           <a:xfrm>
             <a:off x="586440" y="453960"/>
-            <a:ext cx="4765680" cy="856800"/>
+            <a:ext cx="4765320" cy="856440"/>
           </a:xfrm>
           <a:prstGeom prst="rect">
             <a:avLst/>
@@ -5653,7 +5653,7 @@
         <p:spPr>
           <a:xfrm rot="2745600">
             <a:off x="8349840" y="-668520"/>
-            <a:ext cx="1499760" cy="1499760"/>
+            <a:ext cx="1499400" cy="1499400"/>
           </a:xfrm>
           <a:prstGeom prst="roundRect">
             <a:avLst>
@@ -5691,7 +5691,7 @@
         <p:spPr>
           <a:xfrm rot="2745600">
             <a:off x="7634160" y="-322920"/>
-            <a:ext cx="808560" cy="808920"/>
+            <a:ext cx="808200" cy="808560"/>
           </a:xfrm>
           <a:prstGeom prst="roundRect">
             <a:avLst>
@@ -5730,7 +5730,7 @@
         <p:spPr>
           <a:xfrm>
             <a:off x="586440" y="899640"/>
-            <a:ext cx="7933320" cy="1538640"/>
+            <a:ext cx="7932960" cy="1538280"/>
           </a:xfrm>
           <a:prstGeom prst="rect">
             <a:avLst/>
@@ -5782,7 +5782,7 @@
         <p:spPr>
           <a:xfrm>
             <a:off x="608040" y="2545560"/>
-            <a:ext cx="3713760" cy="2257200"/>
+            <a:ext cx="3713400" cy="2256840"/>
           </a:xfrm>
           <a:prstGeom prst="rect">
             <a:avLst/>
@@ -5834,7 +5834,7 @@
         <p:spPr>
           <a:xfrm>
             <a:off x="4806360" y="2545560"/>
-            <a:ext cx="3713760" cy="2257200"/>
+            <a:ext cx="3713400" cy="2256840"/>
           </a:xfrm>
           <a:prstGeom prst="rect">
             <a:avLst/>
@@ -5886,7 +5886,7 @@
         <p:spPr>
           <a:xfrm>
             <a:off x="583200" y="450720"/>
-            <a:ext cx="7199640" cy="513720"/>
+            <a:ext cx="7199280" cy="513360"/>
           </a:xfrm>
           <a:prstGeom prst="rect">
             <a:avLst/>
@@ -5974,8 +5974,8 @@
         </p:nvSpPr>
         <p:spPr>
           <a:xfrm rot="2744400">
-            <a:off x="-282600" y="-25920"/>
-            <a:ext cx="705960" cy="705600"/>
+            <a:off x="-282240" y="-25920"/>
+            <a:ext cx="705600" cy="705240"/>
           </a:xfrm>
           <a:prstGeom prst="roundRect">
             <a:avLst>
@@ -6013,7 +6013,7 @@
         <p:spPr>
           <a:xfrm>
             <a:off x="569160" y="1888920"/>
-            <a:ext cx="4822560" cy="820800"/>
+            <a:ext cx="4822200" cy="820800"/>
           </a:xfrm>
           <a:prstGeom prst="rect">
             <a:avLst/>
@@ -6065,7 +6065,7 @@
         <p:spPr>
           <a:xfrm rot="18679800">
             <a:off x="6783120" y="457560"/>
-            <a:ext cx="6252120" cy="4667760"/>
+            <a:ext cx="6251760" cy="4667400"/>
           </a:xfrm>
           <a:prstGeom prst="roundRect">
             <a:avLst>
@@ -6102,8 +6102,8 @@
         </p:nvSpPr>
         <p:spPr>
           <a:xfrm rot="2625600">
-            <a:off x="6024960" y="4334040"/>
-            <a:ext cx="469800" cy="469800"/>
+            <a:off x="6024960" y="4333680"/>
+            <a:ext cx="469440" cy="469440"/>
           </a:xfrm>
           <a:prstGeom prst="roundRect">
             <a:avLst>
@@ -6141,7 +6141,7 @@
         <p:spPr>
           <a:xfrm>
             <a:off x="1640880" y="4592880"/>
-            <a:ext cx="2997000" cy="267840"/>
+            <a:ext cx="2996640" cy="267480"/>
           </a:xfrm>
           <a:prstGeom prst="rect">
             <a:avLst/>
@@ -6203,7 +6203,7 @@
         <p:spPr>
           <a:xfrm>
             <a:off x="867240" y="3590280"/>
-            <a:ext cx="254880" cy="255240"/>
+            <a:ext cx="254520" cy="254880"/>
           </a:xfrm>
           <a:prstGeom prst="ellipse">
             <a:avLst/>
@@ -6238,7 +6238,7 @@
         <p:spPr>
           <a:xfrm>
             <a:off x="351000" y="3793320"/>
-            <a:ext cx="1287360" cy="1132920"/>
+            <a:ext cx="1287000" cy="1132560"/>
           </a:xfrm>
           <a:prstGeom prst="rect">
             <a:avLst/>
